--- a/1_doklad_Ulanov.pptx
+++ b/1_doklad_Ulanov.pptx
@@ -10,8 +10,8 @@
   <p:sldIdLst>
     <p:sldId id="256" r:id="rId2"/>
     <p:sldId id="276" r:id="rId3"/>
-    <p:sldId id="269" r:id="rId4"/>
-    <p:sldId id="259" r:id="rId5"/>
+    <p:sldId id="259" r:id="rId4"/>
+    <p:sldId id="269" r:id="rId5"/>
     <p:sldId id="263" r:id="rId6"/>
     <p:sldId id="277" r:id="rId7"/>
     <p:sldId id="262" r:id="rId8"/>
@@ -218,7 +218,7 @@
           <a:p>
             <a:fld id="{6F487098-2CAA-429B-A030-3233725F8DE0}" type="datetimeFigureOut">
               <a:rPr lang="ru-RU" smtClean="0"/>
-              <a:t>08.12.2019</a:t>
+              <a:t>09.12.2019</a:t>
             </a:fld>
             <a:endParaRPr lang="ru-RU"/>
           </a:p>
@@ -551,7 +551,7 @@
           <a:p>
             <a:fld id="{E8403B72-64AE-4AC1-8B1F-C06286CDE715}" type="slidenum">
               <a:rPr lang="ru-RU" smtClean="0"/>
-              <a:t>3</a:t>
+              <a:t>4</a:t>
             </a:fld>
             <a:endParaRPr lang="ru-RU"/>
           </a:p>
@@ -763,7 +763,7 @@
           <a:p>
             <a:fld id="{058FFDE5-C426-4B35-BE62-AB770D29357A}" type="datetime1">
               <a:rPr lang="ru-RU" smtClean="0"/>
-              <a:t>08.12.2019</a:t>
+              <a:t>09.12.2019</a:t>
             </a:fld>
             <a:endParaRPr lang="ru-RU"/>
           </a:p>
@@ -1028,7 +1028,7 @@
           <a:p>
             <a:fld id="{9348D000-F0ED-46B6-9417-6E02467F2632}" type="datetime1">
               <a:rPr lang="ru-RU" smtClean="0"/>
-              <a:t>08.12.2019</a:t>
+              <a:t>09.12.2019</a:t>
             </a:fld>
             <a:endParaRPr lang="ru-RU"/>
           </a:p>
@@ -1203,7 +1203,7 @@
           <a:p>
             <a:fld id="{B3DC0364-0977-48F2-95B1-0BB5E266D0DE}" type="datetime1">
               <a:rPr lang="ru-RU" smtClean="0"/>
-              <a:t>08.12.2019</a:t>
+              <a:t>09.12.2019</a:t>
             </a:fld>
             <a:endParaRPr lang="ru-RU"/>
           </a:p>
@@ -1368,7 +1368,7 @@
           <a:p>
             <a:fld id="{C69E66D0-9F54-48E9-9D74-4E6A0FEDBEE8}" type="datetime1">
               <a:rPr lang="ru-RU" smtClean="0"/>
-              <a:t>08.12.2019</a:t>
+              <a:t>09.12.2019</a:t>
             </a:fld>
             <a:endParaRPr lang="ru-RU"/>
           </a:p>
@@ -1617,7 +1617,7 @@
           <a:p>
             <a:fld id="{16839178-09C6-40BB-8E92-F61280DE88F8}" type="datetime1">
               <a:rPr lang="ru-RU" smtClean="0"/>
-              <a:t>08.12.2019</a:t>
+              <a:t>09.12.2019</a:t>
             </a:fld>
             <a:endParaRPr lang="ru-RU"/>
           </a:p>
@@ -1900,7 +1900,7 @@
           <a:p>
             <a:fld id="{47D69C7A-3602-492A-8E47-75DD6B0C6F1A}" type="datetime1">
               <a:rPr lang="ru-RU" smtClean="0"/>
-              <a:t>08.12.2019</a:t>
+              <a:t>09.12.2019</a:t>
             </a:fld>
             <a:endParaRPr lang="ru-RU"/>
           </a:p>
@@ -2339,7 +2339,7 @@
           <a:p>
             <a:fld id="{09C453E2-B04B-4F42-92B5-0A12429FC8C3}" type="datetime1">
               <a:rPr lang="ru-RU" smtClean="0"/>
-              <a:t>08.12.2019</a:t>
+              <a:t>09.12.2019</a:t>
             </a:fld>
             <a:endParaRPr lang="ru-RU"/>
           </a:p>
@@ -2452,7 +2452,7 @@
           <a:p>
             <a:fld id="{6447C1C4-07DA-47DA-AEA5-81EF7616BD2C}" type="datetime1">
               <a:rPr lang="ru-RU" smtClean="0"/>
-              <a:t>08.12.2019</a:t>
+              <a:t>09.12.2019</a:t>
             </a:fld>
             <a:endParaRPr lang="ru-RU"/>
           </a:p>
@@ -2542,7 +2542,7 @@
           <a:p>
             <a:fld id="{20EC25DE-2A92-4583-B3B9-F68700C53DDE}" type="datetime1">
               <a:rPr lang="ru-RU" smtClean="0"/>
-              <a:t>08.12.2019</a:t>
+              <a:t>09.12.2019</a:t>
             </a:fld>
             <a:endParaRPr lang="ru-RU"/>
           </a:p>
@@ -2784,7 +2784,7 @@
           <a:p>
             <a:fld id="{B0FEE393-8641-4CFB-9627-B3D84CB4B2F2}" type="datetime1">
               <a:rPr lang="ru-RU" smtClean="0"/>
-              <a:t>08.12.2019</a:t>
+              <a:t>09.12.2019</a:t>
             </a:fld>
             <a:endParaRPr lang="ru-RU"/>
           </a:p>
@@ -3078,7 +3078,7 @@
           <a:p>
             <a:fld id="{85C1B704-2554-4095-9BA5-FD21E62205F3}" type="datetime1">
               <a:rPr lang="ru-RU" smtClean="0"/>
-              <a:t>08.12.2019</a:t>
+              <a:t>09.12.2019</a:t>
             </a:fld>
             <a:endParaRPr lang="ru-RU"/>
           </a:p>
@@ -3372,7 +3372,7 @@
           <a:p>
             <a:fld id="{10DF73B4-E64E-4B26-B18D-B4084607FCA1}" type="datetime1">
               <a:rPr lang="ru-RU" smtClean="0"/>
-              <a:t>08.12.2019</a:t>
+              <a:t>09.12.2019</a:t>
             </a:fld>
             <a:endParaRPr lang="ru-RU"/>
           </a:p>
@@ -4646,29 +4646,6 @@
           </a:p>
         </p:txBody>
       </p:sp>
-      <p:pic>
-        <p:nvPicPr>
-          <p:cNvPr id="11" name="Рисунок 10"/>
-          <p:cNvPicPr>
-            <a:picLocks noChangeAspect="1"/>
-          </p:cNvPicPr>
-          <p:nvPr/>
-        </p:nvPicPr>
-        <p:blipFill rotWithShape="1">
-          <a:blip r:embed="rId3"/>
-          <a:srcRect l="10889" t="30401" r="50803" b="17800"/>
-          <a:stretch/>
-        </p:blipFill>
-        <p:spPr>
-          <a:xfrm>
-            <a:off x="827584" y="3311697"/>
-            <a:ext cx="3469816" cy="2702804"/>
-          </a:xfrm>
-          <a:prstGeom prst="rect">
-            <a:avLst/>
-          </a:prstGeom>
-        </p:spPr>
-      </p:pic>
       <p:sp>
         <p:nvSpPr>
           <p:cNvPr id="12" name="TextBox 11"/>
@@ -4677,8 +4654,8 @@
         </p:nvSpPr>
         <p:spPr>
           <a:xfrm>
-            <a:off x="395536" y="6014501"/>
-            <a:ext cx="5225752" cy="461665"/>
+            <a:off x="827584" y="4365104"/>
+            <a:ext cx="3456384" cy="1384995"/>
           </a:xfrm>
           <a:prstGeom prst="rect">
             <a:avLst/>
@@ -4709,29 +4686,235 @@
             </a:r>
             <a:r>
               <a:rPr lang="ru-RU" sz="1200" dirty="0" smtClean="0"/>
-              <a:t>.)</a:t>
+              <a:t>.) с наложенным спектром при давлении 132 </a:t>
+            </a:r>
+            <a:r>
+              <a:rPr lang="ru-RU" sz="1200" dirty="0" err="1" smtClean="0"/>
+              <a:t>Торр</a:t>
+            </a:r>
+            <a:r>
+              <a:rPr lang="ru-RU" sz="1200" dirty="0" smtClean="0"/>
+              <a:t> в неподвижном воздухе.</a:t>
+            </a:r>
+            <a:r>
+              <a:rPr lang="en-US" sz="1200" dirty="0" smtClean="0"/>
+              <a:t> </a:t>
             </a:r>
             <a:endParaRPr lang="ru-RU" sz="1200" dirty="0"/>
           </a:p>
-        </p:txBody>
-      </p:sp>
-      <p:sp>
-        <p:nvSpPr>
-          <p:cNvPr id="13" name="TextBox 12"/>
-          <p:cNvSpPr txBox="1"/>
+          <a:p>
+            <a:r>
+              <a:rPr lang="ru-RU" sz="1200" dirty="0" smtClean="0"/>
+              <a:t>Красный – 63 </a:t>
+            </a:r>
+            <a:r>
+              <a:rPr lang="ru-RU" sz="1200" dirty="0" err="1" smtClean="0"/>
+              <a:t>Торр</a:t>
+            </a:r>
+            <a:r>
+              <a:rPr lang="ru-RU" sz="1200" dirty="0" smtClean="0"/>
+              <a:t>, черный – </a:t>
+            </a:r>
+            <a:r>
+              <a:rPr lang="ru-RU" sz="1200" dirty="0" smtClean="0"/>
+              <a:t>101 </a:t>
+            </a:r>
+            <a:r>
+              <a:rPr lang="ru-RU" sz="1200" dirty="0" err="1" smtClean="0"/>
+              <a:t>Торр</a:t>
+            </a:r>
+            <a:r>
+              <a:rPr lang="ru-RU" sz="1200" dirty="0" smtClean="0"/>
+              <a:t>, синий – 132 </a:t>
+            </a:r>
+            <a:r>
+              <a:rPr lang="ru-RU" sz="1200" dirty="0" err="1" smtClean="0"/>
+              <a:t>Торр</a:t>
+            </a:r>
+            <a:r>
+              <a:rPr lang="ru-RU" sz="1200" dirty="0" smtClean="0"/>
+              <a:t>.</a:t>
+            </a:r>
+            <a:endParaRPr lang="ru-RU" sz="1200" dirty="0"/>
+          </a:p>
+        </p:txBody>
+      </p:sp>
+      <p:grpSp>
+        <p:nvGrpSpPr>
+          <p:cNvPr id="10" name="Группа 9"/>
+          <p:cNvGrpSpPr/>
           <p:nvPr/>
-        </p:nvSpPr>
-        <p:spPr>
+        </p:nvGrpSpPr>
+        <p:grpSpPr>
           <a:xfrm>
-            <a:off x="5508104" y="3586318"/>
-            <a:ext cx="3096344" cy="1200329"/>
+            <a:off x="4499992" y="3933056"/>
+            <a:ext cx="3914139" cy="2741389"/>
+            <a:chOff x="910330" y="1340768"/>
+            <a:chExt cx="4925258" cy="3549293"/>
+          </a:xfrm>
+        </p:grpSpPr>
+        <p:pic>
+          <p:nvPicPr>
+            <p:cNvPr id="14" name="Рисунок 13"/>
+            <p:cNvPicPr/>
+            <p:nvPr/>
+          </p:nvPicPr>
+          <p:blipFill rotWithShape="1">
+            <a:blip r:embed="rId3"/>
+            <a:srcRect l="9540" t="31987" r="60395" b="34223"/>
+            <a:stretch/>
+          </p:blipFill>
+          <p:spPr bwMode="auto">
+            <a:xfrm>
+              <a:off x="910330" y="1340768"/>
+              <a:ext cx="4925258" cy="3549293"/>
+            </a:xfrm>
+            <a:prstGeom prst="rect">
+              <a:avLst/>
+            </a:prstGeom>
+            <a:ln>
+              <a:noFill/>
+            </a:ln>
+            <a:extLst>
+              <a:ext uri="{53640926-AAD7-44D8-BBD7-CCE9431645EC}">
+                <a14:shadowObscured xmlns:a14="http://schemas.microsoft.com/office/drawing/2010/main"/>
+              </a:ext>
+            </a:extLst>
+          </p:spPr>
+        </p:pic>
+        <p:pic>
+          <p:nvPicPr>
+            <p:cNvPr id="15" name="Рисунок 14"/>
+            <p:cNvPicPr>
+              <a:picLocks noChangeAspect="1"/>
+            </p:cNvPicPr>
+            <p:nvPr/>
+          </p:nvPicPr>
+          <p:blipFill rotWithShape="1">
+            <a:blip r:embed="rId4">
+              <a:extLst>
+                <a:ext uri="{BEBA8EAE-BF5A-486C-A8C5-ECC9F3942E4B}">
+                  <a14:imgProps xmlns:a14="http://schemas.microsoft.com/office/drawing/2010/main">
+                    <a14:imgLayer r:embed="rId5">
+                      <a14:imgEffect>
+                        <a14:backgroundRemoval t="32650" b="69100" l="29000" r="69467"/>
+                      </a14:imgEffect>
+                    </a14:imgLayer>
+                  </a14:imgProps>
+                </a:ext>
+              </a:extLst>
+            </a:blip>
+            <a:srcRect l="35384" t="28455" r="30344" b="29209"/>
+            <a:stretch/>
+          </p:blipFill>
+          <p:spPr>
+            <a:xfrm>
+              <a:off x="1259632" y="1412776"/>
+              <a:ext cx="4536504" cy="2787133"/>
+            </a:xfrm>
+            <a:prstGeom prst="rect">
+              <a:avLst/>
+            </a:prstGeom>
+          </p:spPr>
+        </p:pic>
+      </p:grpSp>
+      <p:pic>
+        <p:nvPicPr>
+          <p:cNvPr id="18" name="Рисунок 17"/>
+          <p:cNvPicPr/>
+          <p:nvPr/>
+        </p:nvPicPr>
+        <p:blipFill rotWithShape="1">
+          <a:blip r:embed="rId6">
+            <a:extLst>
+              <a:ext uri="{BEBA8EAE-BF5A-486C-A8C5-ECC9F3942E4B}">
+                <a14:imgProps xmlns:a14="http://schemas.microsoft.com/office/drawing/2010/main">
+                  <a14:imgLayer r:embed="rId7">
+                    <a14:imgEffect>
+                      <a14:backgroundRemoval t="12850" b="76250" l="44300" r="93167"/>
+                    </a14:imgEffect>
+                  </a14:imgLayer>
+                </a14:imgProps>
+              </a:ext>
+            </a:extLst>
+          </a:blip>
+          <a:srcRect l="41769" t="10341" r="5398" b="22198"/>
+          <a:stretch/>
+        </p:blipFill>
+        <p:spPr bwMode="auto">
+          <a:xfrm>
+            <a:off x="4746232" y="4151351"/>
+            <a:ext cx="3636546" cy="1650559"/>
           </a:xfrm>
           <a:prstGeom prst="rect">
             <a:avLst/>
           </a:prstGeom>
-          <a:solidFill>
-            <a:srgbClr val="FF0000"/>
-          </a:solidFill>
+          <a:ln>
+            <a:noFill/>
+          </a:ln>
+          <a:extLst>
+            <a:ext uri="{53640926-AAD7-44D8-BBD7-CCE9431645EC}">
+              <a14:shadowObscured xmlns:a14="http://schemas.microsoft.com/office/drawing/2010/main"/>
+            </a:ext>
+          </a:extLst>
+        </p:spPr>
+      </p:pic>
+      <p:pic>
+        <p:nvPicPr>
+          <p:cNvPr id="19" name="Рисунок 18"/>
+          <p:cNvPicPr/>
+          <p:nvPr/>
+        </p:nvPicPr>
+        <p:blipFill rotWithShape="1">
+          <a:blip r:embed="rId8">
+            <a:extLst>
+              <a:ext uri="{BEBA8EAE-BF5A-486C-A8C5-ECC9F3942E4B}">
+                <a14:imgProps xmlns:a14="http://schemas.microsoft.com/office/drawing/2010/main">
+                  <a14:imgLayer r:embed="rId9">
+                    <a14:imgEffect>
+                      <a14:backgroundRemoval t="14200" b="84100" l="45100" r="94600"/>
+                    </a14:imgEffect>
+                  </a14:imgLayer>
+                </a14:imgProps>
+              </a:ext>
+            </a:extLst>
+          </a:blip>
+          <a:srcRect l="44655" t="14552" r="5553" b="15825"/>
+          <a:stretch/>
+        </p:blipFill>
+        <p:spPr bwMode="auto">
+          <a:xfrm>
+            <a:off x="4932040" y="4185875"/>
+            <a:ext cx="3405396" cy="1949892"/>
+          </a:xfrm>
+          <a:prstGeom prst="rect">
+            <a:avLst/>
+          </a:prstGeom>
+          <a:ln>
+            <a:noFill/>
+          </a:ln>
+          <a:extLst>
+            <a:ext uri="{53640926-AAD7-44D8-BBD7-CCE9431645EC}">
+              <a14:shadowObscured xmlns:a14="http://schemas.microsoft.com/office/drawing/2010/main"/>
+            </a:ext>
+          </a:extLst>
+        </p:spPr>
+      </p:pic>
+      <p:sp>
+        <p:nvSpPr>
+          <p:cNvPr id="2" name="TextBox 1"/>
+          <p:cNvSpPr txBox="1"/>
+          <p:nvPr/>
+        </p:nvSpPr>
+        <p:spPr>
+          <a:xfrm>
+            <a:off x="827584" y="5801910"/>
+            <a:ext cx="3384376" cy="523220"/>
+          </a:xfrm>
+          <a:prstGeom prst="rect">
+            <a:avLst/>
+          </a:prstGeom>
+          <a:noFill/>
         </p:spPr>
         <p:txBody>
           <a:bodyPr wrap="square" rtlCol="0">
@@ -4740,10 +4923,22 @@
           <a:lstStyle/>
           <a:p>
             <a:r>
-              <a:rPr lang="ru-RU" dirty="0" smtClean="0"/>
-              <a:t>На этом месте будет наложенный спектр тормозного излучения на полученный спектр</a:t>
-            </a:r>
-            <a:endParaRPr lang="ru-RU" dirty="0"/>
+              <a:rPr lang="en-US" sz="1400" dirty="0" smtClean="0"/>
+              <a:t>1 – </a:t>
+            </a:r>
+            <a:r>
+              <a:rPr lang="ru-RU" sz="1400" dirty="0" smtClean="0"/>
+              <a:t>2</a:t>
+            </a:r>
+            <a:r>
+              <a:rPr lang="en-US" sz="1400" dirty="0" smtClean="0"/>
+              <a:t>000</a:t>
+            </a:r>
+            <a:r>
+              <a:rPr lang="ru-RU" sz="1400" dirty="0" smtClean="0"/>
+              <a:t> К, 2 – 5000 К, 3 – 10000 К, 4 – 15000 К, 5 – 20000 К, 6 – 30000 К</a:t>
+            </a:r>
+            <a:endParaRPr lang="ru-RU" sz="1400" dirty="0"/>
           </a:p>
         </p:txBody>
       </p:sp>
@@ -4822,8 +5017,8 @@
           </a:p>
         </p:txBody>
       </p:sp>
-      <mc:AlternateContent xmlns:mc="http://schemas.openxmlformats.org/markup-compatibility/2006" xmlns:a14="http://schemas.microsoft.com/office/drawing/2010/main">
-        <mc:Choice Requires="a14">
+      <mc:AlternateContent xmlns:mc="http://schemas.openxmlformats.org/markup-compatibility/2006">
+        <mc:Choice xmlns:a14="http://schemas.microsoft.com/office/drawing/2010/main" Requires="a14">
           <p:sp>
             <p:nvSpPr>
               <p:cNvPr id="5" name="Прямоугольник 4"/>
@@ -5159,7 +5354,7 @@
                   <a:rPr lang="ru-RU" sz="1600" dirty="0" smtClean="0">
                     <a:ea typeface="Times New Roman" panose="02020603050405020304" pitchFamily="18" charset="0"/>
                   </a:rPr>
-                  <a:t>неподвижном воздухе значения составили </a:t>
+                  <a:t>неподвижном воздухе значения составили больше </a:t>
                 </a:r>
                 <a:r>
                   <a:rPr lang="en-US" sz="1600" dirty="0" err="1" smtClean="0">
@@ -5183,7 +5378,25 @@
                   <a:rPr lang="ru-RU" sz="1600" dirty="0" smtClean="0">
                     <a:ea typeface="Times New Roman" panose="02020603050405020304" pitchFamily="18" charset="0"/>
                   </a:rPr>
-                  <a:t>эВ в диапазоне давлений …. </a:t>
+                  <a:t>эВ в диапазоне давлений</a:t>
+                </a:r>
+                <a:r>
+                  <a:rPr lang="en-US" sz="1600" dirty="0">
+                    <a:ea typeface="Times New Roman" panose="02020603050405020304" pitchFamily="18" charset="0"/>
+                  </a:rPr>
+                  <a:t> </a:t>
+                </a:r>
+                <a:r>
+                  <a:rPr lang="ru-RU" sz="1600" dirty="0" smtClean="0">
+                    <a:ea typeface="Times New Roman" panose="02020603050405020304" pitchFamily="18" charset="0"/>
+                  </a:rPr>
+                  <a:t> </a:t>
+                </a:r>
+                <a:r>
+                  <a:rPr lang="ru-RU" sz="1600" dirty="0" smtClean="0">
+                    <a:ea typeface="Times New Roman" panose="02020603050405020304" pitchFamily="18" charset="0"/>
+                  </a:rPr>
+                  <a:t>от 63 до 132 </a:t>
                 </a:r>
                 <a:r>
                   <a:rPr lang="ru-RU" sz="1600" dirty="0" err="1" smtClean="0">
@@ -5216,7 +5429,7 @@
             </p:txBody>
           </p:sp>
         </mc:Choice>
-        <mc:Fallback xmlns="">
+        <mc:Fallback>
           <p:sp>
             <p:nvSpPr>
               <p:cNvPr id="5" name="Прямоугольник 4"/>
@@ -5233,7 +5446,7 @@
               <a:prstGeom prst="rect">
                 <a:avLst/>
               </a:prstGeom>
-              <a:blipFill rotWithShape="0">
+              <a:blipFill>
                 <a:blip r:embed="rId2"/>
                 <a:stretch>
                   <a:fillRect l="-287" r="-215"/>
@@ -6245,389 +6458,6 @@
       </p:grpSpPr>
       <p:sp>
         <p:nvSpPr>
-          <p:cNvPr id="3" name="Объект 2"/>
-          <p:cNvSpPr>
-            <a:spLocks noGrp="1"/>
-          </p:cNvSpPr>
-          <p:nvPr>
-            <p:ph idx="1"/>
-          </p:nvPr>
-        </p:nvSpPr>
-        <p:spPr>
-          <a:xfrm>
-            <a:off x="141396" y="949774"/>
-            <a:ext cx="8496944" cy="1584176"/>
-          </a:xfrm>
-        </p:spPr>
-        <p:txBody>
-          <a:bodyPr>
-            <a:normAutofit/>
-          </a:bodyPr>
-          <a:lstStyle/>
-          <a:p>
-            <a:pPr algn="ctr"/>
-            <a:r>
-              <a:rPr lang="ru-RU" sz="1800" b="0" u="sng" dirty="0" smtClean="0"/>
-              <a:t>Регистрация фотоизображений проводилась с открытым затвором фотоаппарата</a:t>
-            </a:r>
-            <a:endParaRPr lang="ru-RU" sz="1800" b="0" u="sng" dirty="0"/>
-          </a:p>
-        </p:txBody>
-      </p:sp>
-      <p:sp>
-        <p:nvSpPr>
-          <p:cNvPr id="4" name="Заголовок 1"/>
-          <p:cNvSpPr>
-            <a:spLocks noGrp="1"/>
-          </p:cNvSpPr>
-          <p:nvPr>
-            <p:ph type="title"/>
-          </p:nvPr>
-        </p:nvSpPr>
-        <p:spPr>
-          <a:xfrm>
-            <a:off x="179512" y="152718"/>
-            <a:ext cx="8420712" cy="683994"/>
-          </a:xfrm>
-        </p:spPr>
-        <p:txBody>
-          <a:bodyPr>
-            <a:normAutofit/>
-          </a:bodyPr>
-          <a:lstStyle/>
-          <a:p>
-            <a:pPr algn="ctr"/>
-            <a:r>
-              <a:rPr lang="ru-RU" sz="2400" b="1" cap="none" spc="0" dirty="0" smtClean="0">
-                <a:solidFill>
-                  <a:prstClr val="black"/>
-                </a:solidFill>
-                <a:latin typeface="Arial"/>
-                <a:ea typeface="+mn-ea"/>
-                <a:cs typeface="+mn-cs"/>
-              </a:rPr>
-              <a:t>Типичные фотоизображения разряда</a:t>
-            </a:r>
-            <a:endParaRPr lang="ru-RU" sz="2400" b="1" cap="none" spc="0" dirty="0">
-              <a:solidFill>
-                <a:prstClr val="black"/>
-              </a:solidFill>
-              <a:latin typeface="Arial"/>
-              <a:ea typeface="+mn-ea"/>
-              <a:cs typeface="+mn-cs"/>
-            </a:endParaRPr>
-          </a:p>
-        </p:txBody>
-      </p:sp>
-      <p:sp>
-        <p:nvSpPr>
-          <p:cNvPr id="6" name="TextBox 5"/>
-          <p:cNvSpPr txBox="1"/>
-          <p:nvPr/>
-        </p:nvSpPr>
-        <p:spPr>
-          <a:xfrm>
-            <a:off x="0" y="3063076"/>
-            <a:ext cx="8820472" cy="338554"/>
-          </a:xfrm>
-          <a:prstGeom prst="rect">
-            <a:avLst/>
-          </a:prstGeom>
-          <a:ln>
-            <a:noFill/>
-          </a:ln>
-        </p:spPr>
-        <p:style>
-          <a:lnRef idx="2">
-            <a:schemeClr val="accent1"/>
-          </a:lnRef>
-          <a:fillRef idx="1">
-            <a:schemeClr val="lt1"/>
-          </a:fillRef>
-          <a:effectRef idx="0">
-            <a:schemeClr val="accent1"/>
-          </a:effectRef>
-          <a:fontRef idx="minor">
-            <a:schemeClr val="dk1"/>
-          </a:fontRef>
-        </p:style>
-        <p:txBody>
-          <a:bodyPr wrap="square" rtlCol="0">
-            <a:spAutoFit/>
-          </a:bodyPr>
-          <a:lstStyle/>
-          <a:p>
-            <a:pPr algn="ctr"/>
-            <a:r>
-              <a:rPr lang="ru-RU" sz="1600" dirty="0" smtClean="0"/>
-              <a:t>Фотоизображения разряда в неподвижном воздухе при давлении 24 Торр</a:t>
-            </a:r>
-            <a:r>
-              <a:rPr lang="ru-RU" sz="1600" dirty="0"/>
-              <a:t> (</a:t>
-            </a:r>
-            <a:r>
-              <a:rPr lang="ru-RU" sz="1600" dirty="0" smtClean="0"/>
-              <a:t>а) и 93 Торр</a:t>
-            </a:r>
-            <a:r>
-              <a:rPr lang="ru-RU" sz="1600" dirty="0"/>
-              <a:t> </a:t>
-            </a:r>
-            <a:r>
-              <a:rPr lang="ru-RU" sz="1600" dirty="0" smtClean="0"/>
-              <a:t>(б)</a:t>
-            </a:r>
-            <a:endParaRPr lang="ru-RU" sz="1600" dirty="0"/>
-          </a:p>
-        </p:txBody>
-      </p:sp>
-      <p:pic>
-        <p:nvPicPr>
-          <p:cNvPr id="15" name="Рисунок 14"/>
-          <p:cNvPicPr>
-            <a:picLocks noChangeAspect="1"/>
-          </p:cNvPicPr>
-          <p:nvPr/>
-        </p:nvPicPr>
-        <p:blipFill>
-          <a:blip r:embed="rId3">
-            <a:extLst>
-              <a:ext uri="{BEBA8EAE-BF5A-486C-A8C5-ECC9F3942E4B}">
-                <a14:imgProps xmlns:a14="http://schemas.microsoft.com/office/drawing/2010/main">
-                  <a14:imgLayer r:embed="rId4">
-                    <a14:imgEffect>
-                      <a14:brightnessContrast bright="40000"/>
-                    </a14:imgEffect>
-                  </a14:imgLayer>
-                </a14:imgProps>
-              </a:ext>
-            </a:extLst>
-          </a:blip>
-          <a:stretch>
-            <a:fillRect/>
-          </a:stretch>
-        </p:blipFill>
-        <p:spPr>
-          <a:xfrm>
-            <a:off x="212208" y="1724648"/>
-            <a:ext cx="3885443" cy="1270419"/>
-          </a:xfrm>
-          <a:prstGeom prst="rect">
-            <a:avLst/>
-          </a:prstGeom>
-        </p:spPr>
-      </p:pic>
-      <p:pic>
-        <p:nvPicPr>
-          <p:cNvPr id="17" name="Рисунок 16"/>
-          <p:cNvPicPr>
-            <a:picLocks noChangeAspect="1"/>
-          </p:cNvPicPr>
-          <p:nvPr/>
-        </p:nvPicPr>
-        <p:blipFill>
-          <a:blip r:embed="rId5">
-            <a:extLst>
-              <a:ext uri="{BEBA8EAE-BF5A-486C-A8C5-ECC9F3942E4B}">
-                <a14:imgProps xmlns:a14="http://schemas.microsoft.com/office/drawing/2010/main">
-                  <a14:imgLayer r:embed="rId6">
-                    <a14:imgEffect>
-                      <a14:brightnessContrast bright="40000"/>
-                    </a14:imgEffect>
-                  </a14:imgLayer>
-                </a14:imgProps>
-              </a:ext>
-            </a:extLst>
-          </a:blip>
-          <a:stretch>
-            <a:fillRect/>
-          </a:stretch>
-        </p:blipFill>
-        <p:spPr>
-          <a:xfrm>
-            <a:off x="4676019" y="1724648"/>
-            <a:ext cx="4017979" cy="1295206"/>
-          </a:xfrm>
-          <a:prstGeom prst="rect">
-            <a:avLst/>
-          </a:prstGeom>
-        </p:spPr>
-      </p:pic>
-      <p:sp>
-        <p:nvSpPr>
-          <p:cNvPr id="14" name="Номер слайда 5"/>
-          <p:cNvSpPr>
-            <a:spLocks noGrp="1"/>
-          </p:cNvSpPr>
-          <p:nvPr>
-            <p:ph type="sldNum" sz="quarter" idx="12"/>
-          </p:nvPr>
-        </p:nvSpPr>
-        <p:spPr>
-          <a:xfrm>
-            <a:off x="8590696" y="6396340"/>
-            <a:ext cx="1315721" cy="365125"/>
-          </a:xfrm>
-        </p:spPr>
-        <p:txBody>
-          <a:bodyPr/>
-          <a:lstStyle/>
-          <a:p>
-            <a:fld id="{B19B0651-EE4F-4900-A07F-96A6BFA9D0F0}" type="slidenum">
-              <a:rPr lang="ru-RU" smtClean="0"/>
-              <a:t>3</a:t>
-            </a:fld>
-            <a:endParaRPr lang="ru-RU" dirty="0"/>
-          </a:p>
-        </p:txBody>
-      </p:sp>
-      <p:pic>
-        <p:nvPicPr>
-          <p:cNvPr id="2" name="Рисунок 1"/>
-          <p:cNvPicPr>
-            <a:picLocks noChangeAspect="1"/>
-          </p:cNvPicPr>
-          <p:nvPr/>
-        </p:nvPicPr>
-        <p:blipFill>
-          <a:blip r:embed="rId7" cstate="print">
-            <a:extLst>
-              <a:ext uri="{28A0092B-C50C-407E-A947-70E740481C1C}">
-                <a14:useLocalDpi xmlns:a14="http://schemas.microsoft.com/office/drawing/2010/main" val="0"/>
-              </a:ext>
-            </a:extLst>
-          </a:blip>
-          <a:stretch>
-            <a:fillRect/>
-          </a:stretch>
-        </p:blipFill>
-        <p:spPr>
-          <a:xfrm>
-            <a:off x="193576" y="3717032"/>
-            <a:ext cx="4018053" cy="2553420"/>
-          </a:xfrm>
-          <a:prstGeom prst="rect">
-            <a:avLst/>
-          </a:prstGeom>
-        </p:spPr>
-      </p:pic>
-      <p:pic>
-        <p:nvPicPr>
-          <p:cNvPr id="5" name="Рисунок 4"/>
-          <p:cNvPicPr>
-            <a:picLocks noChangeAspect="1"/>
-          </p:cNvPicPr>
-          <p:nvPr/>
-        </p:nvPicPr>
-        <p:blipFill>
-          <a:blip r:embed="rId8" cstate="print">
-            <a:extLst>
-              <a:ext uri="{28A0092B-C50C-407E-A947-70E740481C1C}">
-                <a14:useLocalDpi xmlns:a14="http://schemas.microsoft.com/office/drawing/2010/main" val="0"/>
-              </a:ext>
-            </a:extLst>
-          </a:blip>
-          <a:stretch>
-            <a:fillRect/>
-          </a:stretch>
-        </p:blipFill>
-        <p:spPr>
-          <a:xfrm>
-            <a:off x="4618286" y="3731322"/>
-            <a:ext cx="3943418" cy="2505990"/>
-          </a:xfrm>
-          <a:prstGeom prst="rect">
-            <a:avLst/>
-          </a:prstGeom>
-        </p:spPr>
-      </p:pic>
-      <p:sp>
-        <p:nvSpPr>
-          <p:cNvPr id="13" name="TextBox 12"/>
-          <p:cNvSpPr txBox="1"/>
-          <p:nvPr/>
-        </p:nvSpPr>
-        <p:spPr>
-          <a:xfrm>
-            <a:off x="1834180" y="6391348"/>
-            <a:ext cx="5222692" cy="338554"/>
-          </a:xfrm>
-          <a:prstGeom prst="rect">
-            <a:avLst/>
-          </a:prstGeom>
-          <a:ln>
-            <a:noFill/>
-          </a:ln>
-        </p:spPr>
-        <p:style>
-          <a:lnRef idx="2">
-            <a:schemeClr val="accent1"/>
-          </a:lnRef>
-          <a:fillRef idx="1">
-            <a:schemeClr val="lt1"/>
-          </a:fillRef>
-          <a:effectRef idx="0">
-            <a:schemeClr val="accent1"/>
-          </a:effectRef>
-          <a:fontRef idx="minor">
-            <a:schemeClr val="dk1"/>
-          </a:fontRef>
-        </p:style>
-        <p:txBody>
-          <a:bodyPr wrap="square" rtlCol="0">
-            <a:spAutoFit/>
-          </a:bodyPr>
-          <a:lstStyle/>
-          <a:p>
-            <a:pPr algn="ctr"/>
-            <a:r>
-              <a:rPr lang="ru-RU" sz="1600" dirty="0" smtClean="0"/>
-              <a:t>Соответствующие спектры</a:t>
-            </a:r>
-            <a:endParaRPr lang="ru-RU" sz="1600" dirty="0"/>
-          </a:p>
-        </p:txBody>
-      </p:sp>
-    </p:spTree>
-    <p:extLst>
-      <p:ext uri="{BB962C8B-B14F-4D97-AF65-F5344CB8AC3E}">
-        <p14:creationId xmlns:p14="http://schemas.microsoft.com/office/powerpoint/2010/main" val="3475872013"/>
-      </p:ext>
-    </p:extLst>
-  </p:cSld>
-  <p:clrMapOvr>
-    <a:masterClrMapping/>
-  </p:clrMapOvr>
-  <p:timing>
-    <p:tnLst>
-      <p:par>
-        <p:cTn id="1" dur="indefinite" restart="never" nodeType="tmRoot"/>
-      </p:par>
-    </p:tnLst>
-  </p:timing>
-</p:sld>
-</file>
-
-<file path=ppt/slides/slide4.xml><?xml version="1.0" encoding="utf-8"?>
-<p:sld xmlns:a="http://schemas.openxmlformats.org/drawingml/2006/main" xmlns:r="http://schemas.openxmlformats.org/officeDocument/2006/relationships" xmlns:p="http://schemas.openxmlformats.org/presentationml/2006/main">
-  <p:cSld>
-    <p:spTree>
-      <p:nvGrpSpPr>
-        <p:cNvPr id="1" name=""/>
-        <p:cNvGrpSpPr/>
-        <p:nvPr/>
-      </p:nvGrpSpPr>
-      <p:grpSpPr>
-        <a:xfrm>
-          <a:off x="0" y="0"/>
-          <a:ext cx="0" cy="0"/>
-          <a:chOff x="0" y="0"/>
-          <a:chExt cx="0" cy="0"/>
-        </a:xfrm>
-      </p:grpSpPr>
-      <p:sp>
-        <p:nvSpPr>
           <p:cNvPr id="2" name="Заголовок 1"/>
           <p:cNvSpPr>
             <a:spLocks noGrp="1"/>
@@ -6781,7 +6611,7 @@
             <a:fld id="{B19B0651-EE4F-4900-A07F-96A6BFA9D0F0}" type="slidenum">
               <a:rPr lang="ru-RU" smtClean="0"/>
               <a:pPr/>
-              <a:t>4</a:t>
+              <a:t>3</a:t>
             </a:fld>
             <a:endParaRPr lang="ru-RU" dirty="0"/>
           </a:p>
@@ -7141,6 +6971,389 @@
 </p:sld>
 </file>
 
+<file path=ppt/slides/slide4.xml><?xml version="1.0" encoding="utf-8"?>
+<p:sld xmlns:a="http://schemas.openxmlformats.org/drawingml/2006/main" xmlns:r="http://schemas.openxmlformats.org/officeDocument/2006/relationships" xmlns:p="http://schemas.openxmlformats.org/presentationml/2006/main">
+  <p:cSld>
+    <p:spTree>
+      <p:nvGrpSpPr>
+        <p:cNvPr id="1" name=""/>
+        <p:cNvGrpSpPr/>
+        <p:nvPr/>
+      </p:nvGrpSpPr>
+      <p:grpSpPr>
+        <a:xfrm>
+          <a:off x="0" y="0"/>
+          <a:ext cx="0" cy="0"/>
+          <a:chOff x="0" y="0"/>
+          <a:chExt cx="0" cy="0"/>
+        </a:xfrm>
+      </p:grpSpPr>
+      <p:sp>
+        <p:nvSpPr>
+          <p:cNvPr id="3" name="Объект 2"/>
+          <p:cNvSpPr>
+            <a:spLocks noGrp="1"/>
+          </p:cNvSpPr>
+          <p:nvPr>
+            <p:ph idx="1"/>
+          </p:nvPr>
+        </p:nvSpPr>
+        <p:spPr>
+          <a:xfrm>
+            <a:off x="141396" y="949774"/>
+            <a:ext cx="8496944" cy="1584176"/>
+          </a:xfrm>
+        </p:spPr>
+        <p:txBody>
+          <a:bodyPr>
+            <a:normAutofit/>
+          </a:bodyPr>
+          <a:lstStyle/>
+          <a:p>
+            <a:pPr algn="ctr"/>
+            <a:r>
+              <a:rPr lang="ru-RU" sz="1800" b="0" u="sng" dirty="0" smtClean="0"/>
+              <a:t>Регистрация фотоизображений проводилась с открытым затвором фотоаппарата</a:t>
+            </a:r>
+            <a:endParaRPr lang="ru-RU" sz="1800" b="0" u="sng" dirty="0"/>
+          </a:p>
+        </p:txBody>
+      </p:sp>
+      <p:sp>
+        <p:nvSpPr>
+          <p:cNvPr id="4" name="Заголовок 1"/>
+          <p:cNvSpPr>
+            <a:spLocks noGrp="1"/>
+          </p:cNvSpPr>
+          <p:nvPr>
+            <p:ph type="title"/>
+          </p:nvPr>
+        </p:nvSpPr>
+        <p:spPr>
+          <a:xfrm>
+            <a:off x="179512" y="152718"/>
+            <a:ext cx="8420712" cy="683994"/>
+          </a:xfrm>
+        </p:spPr>
+        <p:txBody>
+          <a:bodyPr>
+            <a:normAutofit/>
+          </a:bodyPr>
+          <a:lstStyle/>
+          <a:p>
+            <a:pPr algn="ctr"/>
+            <a:r>
+              <a:rPr lang="ru-RU" sz="2400" b="1" cap="none" spc="0" dirty="0" smtClean="0">
+                <a:solidFill>
+                  <a:prstClr val="black"/>
+                </a:solidFill>
+                <a:latin typeface="Arial"/>
+                <a:ea typeface="+mn-ea"/>
+                <a:cs typeface="+mn-cs"/>
+              </a:rPr>
+              <a:t>Типичные фотоизображения разряда</a:t>
+            </a:r>
+            <a:endParaRPr lang="ru-RU" sz="2400" b="1" cap="none" spc="0" dirty="0">
+              <a:solidFill>
+                <a:prstClr val="black"/>
+              </a:solidFill>
+              <a:latin typeface="Arial"/>
+              <a:ea typeface="+mn-ea"/>
+              <a:cs typeface="+mn-cs"/>
+            </a:endParaRPr>
+          </a:p>
+        </p:txBody>
+      </p:sp>
+      <p:sp>
+        <p:nvSpPr>
+          <p:cNvPr id="6" name="TextBox 5"/>
+          <p:cNvSpPr txBox="1"/>
+          <p:nvPr/>
+        </p:nvSpPr>
+        <p:spPr>
+          <a:xfrm>
+            <a:off x="0" y="3063076"/>
+            <a:ext cx="8820472" cy="338554"/>
+          </a:xfrm>
+          <a:prstGeom prst="rect">
+            <a:avLst/>
+          </a:prstGeom>
+          <a:ln>
+            <a:noFill/>
+          </a:ln>
+        </p:spPr>
+        <p:style>
+          <a:lnRef idx="2">
+            <a:schemeClr val="accent1"/>
+          </a:lnRef>
+          <a:fillRef idx="1">
+            <a:schemeClr val="lt1"/>
+          </a:fillRef>
+          <a:effectRef idx="0">
+            <a:schemeClr val="accent1"/>
+          </a:effectRef>
+          <a:fontRef idx="minor">
+            <a:schemeClr val="dk1"/>
+          </a:fontRef>
+        </p:style>
+        <p:txBody>
+          <a:bodyPr wrap="square" rtlCol="0">
+            <a:spAutoFit/>
+          </a:bodyPr>
+          <a:lstStyle/>
+          <a:p>
+            <a:pPr algn="ctr"/>
+            <a:r>
+              <a:rPr lang="ru-RU" sz="1600" dirty="0" smtClean="0"/>
+              <a:t>Фотоизображения разряда в неподвижном воздухе при давлении 24 Торр</a:t>
+            </a:r>
+            <a:r>
+              <a:rPr lang="ru-RU" sz="1600" dirty="0"/>
+              <a:t> (</a:t>
+            </a:r>
+            <a:r>
+              <a:rPr lang="ru-RU" sz="1600" dirty="0" smtClean="0"/>
+              <a:t>а) и 93 Торр</a:t>
+            </a:r>
+            <a:r>
+              <a:rPr lang="ru-RU" sz="1600" dirty="0"/>
+              <a:t> </a:t>
+            </a:r>
+            <a:r>
+              <a:rPr lang="ru-RU" sz="1600" dirty="0" smtClean="0"/>
+              <a:t>(б)</a:t>
+            </a:r>
+            <a:endParaRPr lang="ru-RU" sz="1600" dirty="0"/>
+          </a:p>
+        </p:txBody>
+      </p:sp>
+      <p:pic>
+        <p:nvPicPr>
+          <p:cNvPr id="15" name="Рисунок 14"/>
+          <p:cNvPicPr>
+            <a:picLocks noChangeAspect="1"/>
+          </p:cNvPicPr>
+          <p:nvPr/>
+        </p:nvPicPr>
+        <p:blipFill>
+          <a:blip r:embed="rId3">
+            <a:extLst>
+              <a:ext uri="{BEBA8EAE-BF5A-486C-A8C5-ECC9F3942E4B}">
+                <a14:imgProps xmlns:a14="http://schemas.microsoft.com/office/drawing/2010/main">
+                  <a14:imgLayer r:embed="rId4">
+                    <a14:imgEffect>
+                      <a14:brightnessContrast bright="40000"/>
+                    </a14:imgEffect>
+                  </a14:imgLayer>
+                </a14:imgProps>
+              </a:ext>
+            </a:extLst>
+          </a:blip>
+          <a:stretch>
+            <a:fillRect/>
+          </a:stretch>
+        </p:blipFill>
+        <p:spPr>
+          <a:xfrm>
+            <a:off x="212208" y="1724648"/>
+            <a:ext cx="3885443" cy="1270419"/>
+          </a:xfrm>
+          <a:prstGeom prst="rect">
+            <a:avLst/>
+          </a:prstGeom>
+        </p:spPr>
+      </p:pic>
+      <p:pic>
+        <p:nvPicPr>
+          <p:cNvPr id="17" name="Рисунок 16"/>
+          <p:cNvPicPr>
+            <a:picLocks noChangeAspect="1"/>
+          </p:cNvPicPr>
+          <p:nvPr/>
+        </p:nvPicPr>
+        <p:blipFill>
+          <a:blip r:embed="rId5">
+            <a:extLst>
+              <a:ext uri="{BEBA8EAE-BF5A-486C-A8C5-ECC9F3942E4B}">
+                <a14:imgProps xmlns:a14="http://schemas.microsoft.com/office/drawing/2010/main">
+                  <a14:imgLayer r:embed="rId6">
+                    <a14:imgEffect>
+                      <a14:brightnessContrast bright="40000"/>
+                    </a14:imgEffect>
+                  </a14:imgLayer>
+                </a14:imgProps>
+              </a:ext>
+            </a:extLst>
+          </a:blip>
+          <a:stretch>
+            <a:fillRect/>
+          </a:stretch>
+        </p:blipFill>
+        <p:spPr>
+          <a:xfrm>
+            <a:off x="4676019" y="1724648"/>
+            <a:ext cx="4017979" cy="1295206"/>
+          </a:xfrm>
+          <a:prstGeom prst="rect">
+            <a:avLst/>
+          </a:prstGeom>
+        </p:spPr>
+      </p:pic>
+      <p:sp>
+        <p:nvSpPr>
+          <p:cNvPr id="14" name="Номер слайда 5"/>
+          <p:cNvSpPr>
+            <a:spLocks noGrp="1"/>
+          </p:cNvSpPr>
+          <p:nvPr>
+            <p:ph type="sldNum" sz="quarter" idx="12"/>
+          </p:nvPr>
+        </p:nvSpPr>
+        <p:spPr>
+          <a:xfrm>
+            <a:off x="8590696" y="6396340"/>
+            <a:ext cx="1315721" cy="365125"/>
+          </a:xfrm>
+        </p:spPr>
+        <p:txBody>
+          <a:bodyPr/>
+          <a:lstStyle/>
+          <a:p>
+            <a:fld id="{B19B0651-EE4F-4900-A07F-96A6BFA9D0F0}" type="slidenum">
+              <a:rPr lang="ru-RU" smtClean="0"/>
+              <a:t>4</a:t>
+            </a:fld>
+            <a:endParaRPr lang="ru-RU" dirty="0"/>
+          </a:p>
+        </p:txBody>
+      </p:sp>
+      <p:pic>
+        <p:nvPicPr>
+          <p:cNvPr id="2" name="Рисунок 1"/>
+          <p:cNvPicPr>
+            <a:picLocks noChangeAspect="1"/>
+          </p:cNvPicPr>
+          <p:nvPr/>
+        </p:nvPicPr>
+        <p:blipFill>
+          <a:blip r:embed="rId7" cstate="print">
+            <a:extLst>
+              <a:ext uri="{28A0092B-C50C-407E-A947-70E740481C1C}">
+                <a14:useLocalDpi xmlns:a14="http://schemas.microsoft.com/office/drawing/2010/main" val="0"/>
+              </a:ext>
+            </a:extLst>
+          </a:blip>
+          <a:stretch>
+            <a:fillRect/>
+          </a:stretch>
+        </p:blipFill>
+        <p:spPr>
+          <a:xfrm>
+            <a:off x="193576" y="3717032"/>
+            <a:ext cx="4018053" cy="2553420"/>
+          </a:xfrm>
+          <a:prstGeom prst="rect">
+            <a:avLst/>
+          </a:prstGeom>
+        </p:spPr>
+      </p:pic>
+      <p:pic>
+        <p:nvPicPr>
+          <p:cNvPr id="5" name="Рисунок 4"/>
+          <p:cNvPicPr>
+            <a:picLocks noChangeAspect="1"/>
+          </p:cNvPicPr>
+          <p:nvPr/>
+        </p:nvPicPr>
+        <p:blipFill>
+          <a:blip r:embed="rId8" cstate="print">
+            <a:extLst>
+              <a:ext uri="{28A0092B-C50C-407E-A947-70E740481C1C}">
+                <a14:useLocalDpi xmlns:a14="http://schemas.microsoft.com/office/drawing/2010/main" val="0"/>
+              </a:ext>
+            </a:extLst>
+          </a:blip>
+          <a:stretch>
+            <a:fillRect/>
+          </a:stretch>
+        </p:blipFill>
+        <p:spPr>
+          <a:xfrm>
+            <a:off x="4618286" y="3731322"/>
+            <a:ext cx="3943418" cy="2505990"/>
+          </a:xfrm>
+          <a:prstGeom prst="rect">
+            <a:avLst/>
+          </a:prstGeom>
+        </p:spPr>
+      </p:pic>
+      <p:sp>
+        <p:nvSpPr>
+          <p:cNvPr id="13" name="TextBox 12"/>
+          <p:cNvSpPr txBox="1"/>
+          <p:nvPr/>
+        </p:nvSpPr>
+        <p:spPr>
+          <a:xfrm>
+            <a:off x="1834180" y="6391348"/>
+            <a:ext cx="5222692" cy="338554"/>
+          </a:xfrm>
+          <a:prstGeom prst="rect">
+            <a:avLst/>
+          </a:prstGeom>
+          <a:ln>
+            <a:noFill/>
+          </a:ln>
+        </p:spPr>
+        <p:style>
+          <a:lnRef idx="2">
+            <a:schemeClr val="accent1"/>
+          </a:lnRef>
+          <a:fillRef idx="1">
+            <a:schemeClr val="lt1"/>
+          </a:fillRef>
+          <a:effectRef idx="0">
+            <a:schemeClr val="accent1"/>
+          </a:effectRef>
+          <a:fontRef idx="minor">
+            <a:schemeClr val="dk1"/>
+          </a:fontRef>
+        </p:style>
+        <p:txBody>
+          <a:bodyPr wrap="square" rtlCol="0">
+            <a:spAutoFit/>
+          </a:bodyPr>
+          <a:lstStyle/>
+          <a:p>
+            <a:pPr algn="ctr"/>
+            <a:r>
+              <a:rPr lang="ru-RU" sz="1600" dirty="0" smtClean="0"/>
+              <a:t>Соответствующие спектры</a:t>
+            </a:r>
+            <a:endParaRPr lang="ru-RU" sz="1600" dirty="0"/>
+          </a:p>
+        </p:txBody>
+      </p:sp>
+    </p:spTree>
+    <p:extLst>
+      <p:ext uri="{BB962C8B-B14F-4D97-AF65-F5344CB8AC3E}">
+        <p14:creationId xmlns:p14="http://schemas.microsoft.com/office/powerpoint/2010/main" val="3475872013"/>
+      </p:ext>
+    </p:extLst>
+  </p:cSld>
+  <p:clrMapOvr>
+    <a:masterClrMapping/>
+  </p:clrMapOvr>
+  <p:timing>
+    <p:tnLst>
+      <p:par>
+        <p:cTn id="1" dur="indefinite" restart="never" nodeType="tmRoot"/>
+      </p:par>
+    </p:tnLst>
+  </p:timing>
+</p:sld>
+</file>
+
 <file path=ppt/slides/slide5.xml><?xml version="1.0" encoding="utf-8"?>
 <p:sld xmlns:a="http://schemas.openxmlformats.org/drawingml/2006/main" xmlns:r="http://schemas.openxmlformats.org/officeDocument/2006/relationships" xmlns:p="http://schemas.openxmlformats.org/presentationml/2006/main">
   <p:cSld>
@@ -7247,7 +7460,7 @@
         </p:nvGrpSpPr>
         <p:grpSpPr>
           <a:xfrm>
-            <a:off x="606616" y="1498604"/>
+            <a:off x="611560" y="1484784"/>
             <a:ext cx="7884368" cy="4981318"/>
             <a:chOff x="0" y="496142"/>
             <a:chExt cx="9144000" cy="6428900"/>
@@ -7359,8 +7572,8 @@
                 </a:p>
               </p:txBody>
             </p:sp>
-            <mc:AlternateContent xmlns:mc="http://schemas.openxmlformats.org/markup-compatibility/2006" xmlns:a14="http://schemas.microsoft.com/office/drawing/2010/main">
-              <mc:Choice Requires="a14">
+            <mc:AlternateContent xmlns:mc="http://schemas.openxmlformats.org/markup-compatibility/2006">
+              <mc:Choice xmlns:a14="http://schemas.microsoft.com/office/drawing/2010/main" Requires="a14">
                 <p:sp>
                   <p:nvSpPr>
                     <p:cNvPr id="10" name="TextBox 9"/>
@@ -7370,7 +7583,7 @@
                   <p:spPr>
                     <a:xfrm>
                       <a:off x="2483767" y="496142"/>
-                      <a:ext cx="1728193" cy="484439"/>
+                      <a:ext cx="1728193" cy="523582"/>
                     </a:xfrm>
                     <a:prstGeom prst="rect">
                       <a:avLst/>
@@ -7423,7 +7636,14 @@
                                       <m:t>2</m:t>
                                     </m:r>
                                   </m:sub>
-                                  <m:sup/>
+                                  <m:sup>
+                                    <m:r>
+                                      <a:rPr lang="ru-RU" sz="1600" b="0" i="1" smtClean="0">
+                                        <a:latin typeface="Cambria Math" panose="02040503050406030204" pitchFamily="18" charset="0"/>
+                                      </a:rPr>
+                                      <m:t>+</m:t>
+                                    </m:r>
+                                  </m:sup>
                                 </m:sSubSup>
                               </m:e>
                               <m:sup/>
@@ -7469,7 +7689,7 @@
                   </p:txBody>
                 </p:sp>
               </mc:Choice>
-              <mc:Fallback xmlns="">
+              <mc:Fallback>
                 <p:sp>
                   <p:nvSpPr>
                     <p:cNvPr id="10" name="TextBox 9"/>
@@ -7481,15 +7701,15 @@
                   <p:spPr>
                     <a:xfrm>
                       <a:off x="2483767" y="496142"/>
-                      <a:ext cx="1728193" cy="484439"/>
+                      <a:ext cx="1728193" cy="523582"/>
                     </a:xfrm>
                     <a:prstGeom prst="rect">
                       <a:avLst/>
                     </a:prstGeom>
-                    <a:blipFill rotWithShape="1">
+                    <a:blipFill>
                       <a:blip r:embed="rId3"/>
                       <a:stretch>
-                        <a:fillRect b="-11475"/>
+                        <a:fillRect b="-10606"/>
                       </a:stretch>
                     </a:blipFill>
                   </p:spPr>
@@ -10585,18 +10805,18 @@
                     <a:t>1</a:t>
                   </a:r>
                   <a:r>
-                    <a:rPr lang="en-US" sz="2000" b="1" dirty="0">
+                    <a:rPr lang="en-US" sz="2000" b="1" dirty="0" smtClean="0">
                       <a:latin typeface="Times New Roman" panose="02020603050405020304" pitchFamily="18" charset="0"/>
                       <a:cs typeface="Times New Roman" panose="02020603050405020304" pitchFamily="18" charset="0"/>
                     </a:rPr>
                     <a:t>0</a:t>
                   </a:r>
                   <a:r>
-                    <a:rPr lang="ru-RU" sz="2000" b="1" baseline="30000" dirty="0">
+                    <a:rPr lang="ru-RU" sz="2000" b="1" baseline="30000" dirty="0" smtClean="0">
                       <a:latin typeface="Times New Roman" panose="02020603050405020304" pitchFamily="18" charset="0"/>
                       <a:cs typeface="Times New Roman" panose="02020603050405020304" pitchFamily="18" charset="0"/>
                     </a:rPr>
-                    <a:t>-1</a:t>
+                    <a:t>1</a:t>
                   </a:r>
                   <a:r>
                     <a:rPr lang="en-US" sz="2000" b="1" baseline="30000" dirty="0">
@@ -11110,7 +11330,15 @@
           <a:p>
             <a:r>
               <a:rPr lang="ru-RU" dirty="0" smtClean="0"/>
-              <a:t>Непрерывная часть спектра в диапазоне 250 – 750 </a:t>
+              <a:t>Непрерывная часть спектра в диапазоне 250 – </a:t>
+            </a:r>
+            <a:r>
+              <a:rPr lang="en-US" dirty="0" smtClean="0"/>
+              <a:t>8</a:t>
+            </a:r>
+            <a:r>
+              <a:rPr lang="ru-RU" dirty="0" smtClean="0"/>
+              <a:t>50 </a:t>
             </a:r>
             <a:r>
               <a:rPr lang="ru-RU" dirty="0" err="1" smtClean="0"/>
